--- a/assignment/Presentation/Presentation.pptx
+++ b/assignment/Presentation/Presentation.pptx
@@ -20,7 +20,8 @@
     <p:sldId id="272" r:id="rId14"/>
     <p:sldId id="263" r:id="rId15"/>
     <p:sldId id="265" r:id="rId16"/>
-    <p:sldId id="273" r:id="rId17"/>
+    <p:sldId id="274" r:id="rId17"/>
+    <p:sldId id="273" r:id="rId18"/>
   </p:sldIdLst>
   <p:sldSz cx="9144000" cy="6858000" type="screen4x3"/>
   <p:notesSz cx="6858000" cy="9144000"/>
@@ -121,7 +122,7 @@
   </p:defaultTextStyle>
   <p:extLst>
     <p:ext uri="{EFAFB233-063F-42B5-8137-9DF3F51BA10A}">
-      <p15:sldGuideLst xmlns:p15="http://schemas.microsoft.com/office/powerpoint/2012/main" xmlns="">
+      <p15:sldGuideLst xmlns="" xmlns:p15="http://schemas.microsoft.com/office/powerpoint/2012/main">
         <p15:guide id="1" orient="horz" pos="2160">
           <p15:clr>
             <a:srgbClr val="A4A3A4"/>
@@ -140,24 +141,13 @@
 
 <file path=ppt/charts/chart1.xml><?xml version="1.0" encoding="utf-8"?>
 <c:chartSpace xmlns:c="http://schemas.openxmlformats.org/drawingml/2006/chart" xmlns:a="http://schemas.openxmlformats.org/drawingml/2006/main" xmlns:r="http://schemas.openxmlformats.org/officeDocument/2006/relationships">
-  <c:date1904 val="0"/>
   <c:lang val="en-US"/>
-  <c:roundedCorners val="0"/>
-  <mc:AlternateContent xmlns:mc="http://schemas.openxmlformats.org/markup-compatibility/2006">
-    <mc:Choice xmlns:c14="http://schemas.microsoft.com/office/drawing/2007/8/2/chart" Requires="c14">
-      <c14:style val="102"/>
-    </mc:Choice>
-    <mc:Fallback>
-      <c:style val="2"/>
-    </mc:Fallback>
-  </mc:AlternateContent>
   <c:chart>
     <c:autoTitleDeleted val="1"/>
     <c:plotArea>
       <c:layout/>
       <c:scatterChart>
         <c:scatterStyle val="smoothMarker"/>
-        <c:varyColors val="0"/>
         <c:ser>
           <c:idx val="0"/>
           <c:order val="0"/>
@@ -203,94 +193,94 @@
                 <c:formatCode>General</c:formatCode>
                 <c:ptCount val="30"/>
                 <c:pt idx="0">
-                  <c:v>0.0</c:v>
+                  <c:v>0</c:v>
                 </c:pt>
                 <c:pt idx="1">
-                  <c:v>1.0</c:v>
+                  <c:v>1</c:v>
                 </c:pt>
                 <c:pt idx="2">
-                  <c:v>2.0</c:v>
+                  <c:v>2</c:v>
                 </c:pt>
                 <c:pt idx="3">
-                  <c:v>3.0</c:v>
+                  <c:v>3</c:v>
                 </c:pt>
                 <c:pt idx="4">
-                  <c:v>4.0</c:v>
+                  <c:v>4</c:v>
                 </c:pt>
                 <c:pt idx="5">
-                  <c:v>5.0</c:v>
+                  <c:v>5</c:v>
                 </c:pt>
                 <c:pt idx="6">
-                  <c:v>6.0</c:v>
+                  <c:v>6</c:v>
                 </c:pt>
                 <c:pt idx="7">
-                  <c:v>7.0</c:v>
+                  <c:v>7</c:v>
                 </c:pt>
                 <c:pt idx="8">
-                  <c:v>8.0</c:v>
+                  <c:v>8</c:v>
                 </c:pt>
                 <c:pt idx="9">
-                  <c:v>9.0</c:v>
+                  <c:v>9</c:v>
                 </c:pt>
                 <c:pt idx="10">
-                  <c:v>10.0</c:v>
+                  <c:v>10</c:v>
                 </c:pt>
                 <c:pt idx="11">
-                  <c:v>11.0</c:v>
+                  <c:v>11</c:v>
                 </c:pt>
                 <c:pt idx="12">
-                  <c:v>12.0</c:v>
+                  <c:v>12</c:v>
                 </c:pt>
                 <c:pt idx="13">
-                  <c:v>13.0</c:v>
+                  <c:v>13</c:v>
                 </c:pt>
                 <c:pt idx="14">
-                  <c:v>14.0</c:v>
+                  <c:v>14</c:v>
                 </c:pt>
                 <c:pt idx="15">
-                  <c:v>15.0</c:v>
+                  <c:v>15</c:v>
                 </c:pt>
                 <c:pt idx="16">
-                  <c:v>16.0</c:v>
+                  <c:v>16</c:v>
                 </c:pt>
                 <c:pt idx="17">
-                  <c:v>17.0</c:v>
+                  <c:v>17</c:v>
                 </c:pt>
                 <c:pt idx="18">
-                  <c:v>18.0</c:v>
+                  <c:v>18</c:v>
                 </c:pt>
                 <c:pt idx="19">
-                  <c:v>20.0</c:v>
+                  <c:v>20</c:v>
                 </c:pt>
                 <c:pt idx="20">
-                  <c:v>21.0</c:v>
+                  <c:v>21</c:v>
                 </c:pt>
                 <c:pt idx="21">
-                  <c:v>22.0</c:v>
+                  <c:v>22</c:v>
                 </c:pt>
                 <c:pt idx="22">
-                  <c:v>23.0</c:v>
+                  <c:v>23</c:v>
                 </c:pt>
                 <c:pt idx="23">
-                  <c:v>24.0</c:v>
+                  <c:v>24</c:v>
                 </c:pt>
                 <c:pt idx="24">
-                  <c:v>25.0</c:v>
+                  <c:v>25</c:v>
                 </c:pt>
                 <c:pt idx="25">
-                  <c:v>26.0</c:v>
+                  <c:v>26</c:v>
                 </c:pt>
                 <c:pt idx="26">
-                  <c:v>28.0</c:v>
+                  <c:v>28</c:v>
                 </c:pt>
                 <c:pt idx="27">
-                  <c:v>29.0</c:v>
+                  <c:v>29</c:v>
                 </c:pt>
                 <c:pt idx="28">
-                  <c:v>30.0</c:v>
+                  <c:v>30</c:v>
                 </c:pt>
                 <c:pt idx="29">
-                  <c:v>32.0</c:v>
+                  <c:v>32</c:v>
                 </c:pt>
               </c:numCache>
             </c:numRef>
@@ -302,117 +292,109 @@
                 <c:formatCode>General</c:formatCode>
                 <c:ptCount val="30"/>
                 <c:pt idx="0">
-                  <c:v>131.600735970561</c:v>
+                  <c:v>131.60073597056098</c:v>
                 </c:pt>
                 <c:pt idx="1">
-                  <c:v>106.456916627852</c:v>
+                  <c:v>106.45691662785201</c:v>
                 </c:pt>
                 <c:pt idx="2">
-                  <c:v>129.175252185608</c:v>
+                  <c:v>129.17525218560797</c:v>
                 </c:pt>
                 <c:pt idx="3">
                   <c:v>109.086320040383</c:v>
                 </c:pt>
                 <c:pt idx="4">
-                  <c:v>126.998385236447</c:v>
+                  <c:v>126.99838523644699</c:v>
                 </c:pt>
                 <c:pt idx="5">
-                  <c:v>156.629341317365</c:v>
+                  <c:v>156.62934131736503</c:v>
                 </c:pt>
                 <c:pt idx="6">
-                  <c:v>103.532021766429</c:v>
+                  <c:v>103.53202176642898</c:v>
                 </c:pt>
                 <c:pt idx="7">
                   <c:v>181.192411924119</c:v>
                 </c:pt>
                 <c:pt idx="8">
-                  <c:v>139.907150480256</c:v>
+                  <c:v>139.90715048025601</c:v>
                 </c:pt>
                 <c:pt idx="9">
-                  <c:v>192.71031096563</c:v>
+                  <c:v>192.71031096563001</c:v>
                 </c:pt>
                 <c:pt idx="10">
-                  <c:v>243.744382022471</c:v>
+                  <c:v>243.74438202247097</c:v>
                 </c:pt>
                 <c:pt idx="11">
-                  <c:v>159.849462365591</c:v>
+                  <c:v>159.84946236559099</c:v>
                 </c:pt>
                 <c:pt idx="12">
-                  <c:v>152.095808383233</c:v>
+                  <c:v>152.09580838323305</c:v>
                 </c:pt>
                 <c:pt idx="13">
-                  <c:v>235.292682926829</c:v>
+                  <c:v>235.29268292682897</c:v>
                 </c:pt>
                 <c:pt idx="14">
-                  <c:v>216.097560975609</c:v>
+                  <c:v>216.09756097560901</c:v>
                 </c:pt>
                 <c:pt idx="15">
-                  <c:v>209.195652173913</c:v>
+                  <c:v>209.19565217391298</c:v>
                 </c:pt>
                 <c:pt idx="16">
-                  <c:v>339.3055555555549</c:v>
+                  <c:v>339.30555555555486</c:v>
                 </c:pt>
                 <c:pt idx="17">
-                  <c:v>165.333333333333</c:v>
+                  <c:v>165.33333333333303</c:v>
                 </c:pt>
                 <c:pt idx="18">
-                  <c:v>119.684210526315</c:v>
+                  <c:v>119.68421052631501</c:v>
                 </c:pt>
                 <c:pt idx="19">
-                  <c:v>410.785714285714</c:v>
+                  <c:v>410.78571428571394</c:v>
                 </c:pt>
                 <c:pt idx="20">
-                  <c:v>285.384615384615</c:v>
+                  <c:v>285.38461538461502</c:v>
                 </c:pt>
                 <c:pt idx="21">
-                  <c:v>446.583333333333</c:v>
+                  <c:v>446.58333333333303</c:v>
                 </c:pt>
                 <c:pt idx="22">
                   <c:v>192.25</c:v>
                 </c:pt>
                 <c:pt idx="23">
-                  <c:v>68.0</c:v>
+                  <c:v>68</c:v>
                 </c:pt>
                 <c:pt idx="24">
-                  <c:v>63.0</c:v>
+                  <c:v>63</c:v>
                 </c:pt>
                 <c:pt idx="25">
-                  <c:v>166.666666666666</c:v>
+                  <c:v>166.66666666666598</c:v>
                 </c:pt>
                 <c:pt idx="26">
-                  <c:v>57.0</c:v>
+                  <c:v>57</c:v>
                 </c:pt>
                 <c:pt idx="27">
-                  <c:v>23.0</c:v>
+                  <c:v>23</c:v>
                 </c:pt>
                 <c:pt idx="28">
-                  <c:v>151.0</c:v>
+                  <c:v>151</c:v>
                 </c:pt>
                 <c:pt idx="29">
-                  <c:v>24.0</c:v>
+                  <c:v>24</c:v>
                 </c:pt>
               </c:numCache>
             </c:numRef>
           </c:yVal>
           <c:smooth val="1"/>
         </c:ser>
-        <c:dLbls>
-          <c:showLegendKey val="0"/>
-          <c:showVal val="0"/>
-          <c:showCatName val="0"/>
-          <c:showSerName val="0"/>
-          <c:showPercent val="0"/>
-          <c:showBubbleSize val="0"/>
-        </c:dLbls>
-        <c:axId val="2108316424"/>
-        <c:axId val="2108321976"/>
+        <c:dLbls/>
+        <c:axId val="68161920"/>
+        <c:axId val="68163840"/>
       </c:scatterChart>
       <c:valAx>
-        <c:axId val="2108316424"/>
+        <c:axId val="68161920"/>
         <c:scaling>
           <c:orientation val="minMax"/>
         </c:scaling>
-        <c:delete val="0"/>
         <c:axPos val="b"/>
         <c:majorGridlines>
           <c:spPr>
@@ -468,7 +450,6 @@
             </c:rich>
           </c:tx>
           <c:layout/>
-          <c:overlay val="0"/>
           <c:spPr>
             <a:noFill/>
             <a:ln>
@@ -479,7 +460,6 @@
         </c:title>
         <c:numFmt formatCode="General" sourceLinked="1"/>
         <c:majorTickMark val="none"/>
-        <c:minorTickMark val="none"/>
         <c:tickLblPos val="nextTo"/>
         <c:spPr>
           <a:noFill/>
@@ -514,16 +494,15 @@
             <a:endParaRPr lang="en-US"/>
           </a:p>
         </c:txPr>
-        <c:crossAx val="2108321976"/>
+        <c:crossAx val="68163840"/>
         <c:crosses val="autoZero"/>
         <c:crossBetween val="midCat"/>
       </c:valAx>
       <c:valAx>
-        <c:axId val="2108321976"/>
+        <c:axId val="68163840"/>
         <c:scaling>
           <c:orientation val="minMax"/>
         </c:scaling>
-        <c:delete val="0"/>
         <c:axPos val="l"/>
         <c:majorGridlines>
           <c:spPr>
@@ -571,7 +550,6 @@
             </c:rich>
           </c:tx>
           <c:layout/>
-          <c:overlay val="0"/>
           <c:spPr>
             <a:noFill/>
             <a:ln>
@@ -582,7 +560,6 @@
         </c:title>
         <c:numFmt formatCode="General" sourceLinked="1"/>
         <c:majorTickMark val="none"/>
-        <c:minorTickMark val="none"/>
         <c:tickLblPos val="nextTo"/>
         <c:spPr>
           <a:noFill/>
@@ -617,7 +594,7 @@
             <a:endParaRPr lang="en-US"/>
           </a:p>
         </c:txPr>
-        <c:crossAx val="2108316424"/>
+        <c:crossAx val="68161920"/>
         <c:crosses val="autoZero"/>
         <c:crossBetween val="midCat"/>
       </c:valAx>
@@ -631,7 +608,6 @@
     </c:plotArea>
     <c:plotVisOnly val="1"/>
     <c:dispBlanksAs val="gap"/>
-    <c:showDLblsOverMax val="0"/>
   </c:chart>
   <c:spPr>
     <a:noFill/>
@@ -650,32 +626,19 @@
       <a:endParaRPr lang="en-US"/>
     </a:p>
   </c:txPr>
-  <c:externalData r:id="rId1">
-    <c:autoUpdate val="0"/>
-  </c:externalData>
+  <c:externalData r:id="rId1"/>
 </c:chartSpace>
 </file>
 
 <file path=ppt/charts/chart2.xml><?xml version="1.0" encoding="utf-8"?>
 <c:chartSpace xmlns:c="http://schemas.openxmlformats.org/drawingml/2006/chart" xmlns:a="http://schemas.openxmlformats.org/drawingml/2006/main" xmlns:r="http://schemas.openxmlformats.org/officeDocument/2006/relationships">
-  <c:date1904 val="0"/>
   <c:lang val="en-US"/>
-  <c:roundedCorners val="0"/>
-  <mc:AlternateContent xmlns:mc="http://schemas.openxmlformats.org/markup-compatibility/2006">
-    <mc:Choice xmlns:c14="http://schemas.microsoft.com/office/drawing/2007/8/2/chart" Requires="c14">
-      <c14:style val="102"/>
-    </mc:Choice>
-    <mc:Fallback>
-      <c:style val="2"/>
-    </mc:Fallback>
-  </mc:AlternateContent>
   <c:chart>
     <c:autoTitleDeleted val="1"/>
     <c:plotArea>
       <c:layout/>
       <c:scatterChart>
         <c:scatterStyle val="smoothMarker"/>
-        <c:varyColors val="0"/>
         <c:ser>
           <c:idx val="0"/>
           <c:order val="0"/>
@@ -714,8 +677,6 @@
               <a:effectLst/>
             </c:spPr>
             <c:trendlineType val="linear"/>
-            <c:dispRSqr val="0"/>
-            <c:dispEq val="0"/>
           </c:trendline>
           <c:xVal>
             <c:strRef>
@@ -768,19 +729,19 @@
                   <c:v>5.88372093</c:v>
                 </c:pt>
                 <c:pt idx="1">
-                  <c:v>5.827586206999998</c:v>
+                  <c:v>5.8275862069999951</c:v>
                 </c:pt>
                 <c:pt idx="2">
-                  <c:v>6.2875</c:v>
+                  <c:v>6.2874999999999996</c:v>
                 </c:pt>
                 <c:pt idx="3">
-                  <c:v>6.141176470999999</c:v>
+                  <c:v>6.1411764709999979</c:v>
                 </c:pt>
                 <c:pt idx="4">
-                  <c:v>6.0</c:v>
+                  <c:v>6</c:v>
                 </c:pt>
                 <c:pt idx="5">
-                  <c:v>1.769231</c:v>
+                  <c:v>1.7692309999999998</c:v>
                 </c:pt>
                 <c:pt idx="6">
                   <c:v>1.769230769</c:v>
@@ -789,36 +750,28 @@
                   <c:v>1.71875</c:v>
                 </c:pt>
                 <c:pt idx="8">
-                  <c:v>1.65625</c:v>
+                  <c:v>1.6562500000000002</c:v>
                 </c:pt>
                 <c:pt idx="9">
-                  <c:v>0.867346939</c:v>
+                  <c:v>0.86734693900000004</c:v>
                 </c:pt>
                 <c:pt idx="10">
-                  <c:v>1.349514563</c:v>
+                  <c:v>1.3495145630000001</c:v>
                 </c:pt>
               </c:numCache>
             </c:numRef>
           </c:yVal>
           <c:smooth val="1"/>
         </c:ser>
-        <c:dLbls>
-          <c:showLegendKey val="0"/>
-          <c:showVal val="0"/>
-          <c:showCatName val="0"/>
-          <c:showSerName val="0"/>
-          <c:showPercent val="0"/>
-          <c:showBubbleSize val="0"/>
-        </c:dLbls>
-        <c:axId val="2039821560"/>
-        <c:axId val="2109404648"/>
+        <c:dLbls/>
+        <c:axId val="68946944"/>
+        <c:axId val="68961408"/>
       </c:scatterChart>
       <c:valAx>
-        <c:axId val="2039821560"/>
+        <c:axId val="68946944"/>
         <c:scaling>
           <c:orientation val="minMax"/>
         </c:scaling>
-        <c:delete val="0"/>
         <c:axPos val="b"/>
         <c:majorGridlines>
           <c:spPr>
@@ -861,7 +814,6 @@
             </c:rich>
           </c:tx>
           <c:layout/>
-          <c:overlay val="0"/>
           <c:spPr>
             <a:noFill/>
             <a:ln>
@@ -871,7 +823,6 @@
           </c:spPr>
         </c:title>
         <c:majorTickMark val="none"/>
-        <c:minorTickMark val="none"/>
         <c:tickLblPos val="nextTo"/>
         <c:spPr>
           <a:noFill/>
@@ -906,16 +857,15 @@
             <a:endParaRPr lang="en-US"/>
           </a:p>
         </c:txPr>
-        <c:crossAx val="2109404648"/>
+        <c:crossAx val="68961408"/>
         <c:crosses val="autoZero"/>
         <c:crossBetween val="midCat"/>
       </c:valAx>
       <c:valAx>
-        <c:axId val="2109404648"/>
+        <c:axId val="68961408"/>
         <c:scaling>
           <c:orientation val="minMax"/>
         </c:scaling>
-        <c:delete val="0"/>
         <c:axPos val="l"/>
         <c:majorGridlines>
           <c:spPr>
@@ -958,7 +908,6 @@
             </c:rich>
           </c:tx>
           <c:layout/>
-          <c:overlay val="0"/>
           <c:spPr>
             <a:noFill/>
             <a:ln>
@@ -969,7 +918,6 @@
         </c:title>
         <c:numFmt formatCode="General" sourceLinked="1"/>
         <c:majorTickMark val="none"/>
-        <c:minorTickMark val="none"/>
         <c:tickLblPos val="nextTo"/>
         <c:spPr>
           <a:noFill/>
@@ -1004,7 +952,7 @@
             <a:endParaRPr lang="en-US"/>
           </a:p>
         </c:txPr>
-        <c:crossAx val="2039821560"/>
+        <c:crossAx val="68946944"/>
         <c:crosses val="autoZero"/>
         <c:crossBetween val="midCat"/>
       </c:valAx>
@@ -1018,7 +966,6 @@
     </c:plotArea>
     <c:plotVisOnly val="1"/>
     <c:dispBlanksAs val="gap"/>
-    <c:showDLblsOverMax val="0"/>
   </c:chart>
   <c:spPr>
     <a:noFill/>
@@ -1037,9 +984,7 @@
       <a:endParaRPr lang="en-US"/>
     </a:p>
   </c:txPr>
-  <c:externalData r:id="rId1">
-    <c:autoUpdate val="0"/>
-  </c:externalData>
+  <c:externalData r:id="rId1"/>
 </c:chartSpace>
 </file>
 
@@ -2336,7 +2281,8 @@
           <a:p>
             <a:fld id="{3FD404F6-98A9-4841-AF0D-F73C9FBD57AC}" type="datetimeFigureOut">
               <a:rPr lang="en-US" smtClean="0"/>
-              <a:t>15-04-15</a:t>
+              <a:pPr/>
+              <a:t>4/15/2015</a:t>
             </a:fld>
             <a:endParaRPr lang="en-US"/>
           </a:p>
@@ -2378,6 +2324,7 @@
           <a:p>
             <a:fld id="{C84A777E-EAC6-5749-A1F3-F9930C9B02BA}" type="slidenum">
               <a:rPr lang="en-US" smtClean="0"/>
+              <a:pPr/>
               <a:t>‹#›</a:t>
             </a:fld>
             <a:endParaRPr lang="en-US"/>
@@ -2387,7 +2334,7 @@
     </p:spTree>
     <p:extLst>
       <p:ext uri="{BB962C8B-B14F-4D97-AF65-F5344CB8AC3E}">
-        <p14:creationId xmlns:p14="http://schemas.microsoft.com/office/powerpoint/2010/main" val="3353517119"/>
+        <p14:creationId xmlns:p14="http://schemas.microsoft.com/office/powerpoint/2010/main" xmlns="" val="3353517119"/>
       </p:ext>
     </p:extLst>
   </p:cSld>
@@ -2506,7 +2453,8 @@
           <a:p>
             <a:fld id="{3FD404F6-98A9-4841-AF0D-F73C9FBD57AC}" type="datetimeFigureOut">
               <a:rPr lang="en-US" smtClean="0"/>
-              <a:t>15-04-15</a:t>
+              <a:pPr/>
+              <a:t>4/15/2015</a:t>
             </a:fld>
             <a:endParaRPr lang="en-US"/>
           </a:p>
@@ -2548,6 +2496,7 @@
           <a:p>
             <a:fld id="{C84A777E-EAC6-5749-A1F3-F9930C9B02BA}" type="slidenum">
               <a:rPr lang="en-US" smtClean="0"/>
+              <a:pPr/>
               <a:t>‹#›</a:t>
             </a:fld>
             <a:endParaRPr lang="en-US"/>
@@ -2557,7 +2506,7 @@
     </p:spTree>
     <p:extLst>
       <p:ext uri="{BB962C8B-B14F-4D97-AF65-F5344CB8AC3E}">
-        <p14:creationId xmlns:p14="http://schemas.microsoft.com/office/powerpoint/2010/main" val="1879630960"/>
+        <p14:creationId xmlns:p14="http://schemas.microsoft.com/office/powerpoint/2010/main" xmlns="" val="1879630960"/>
       </p:ext>
     </p:extLst>
   </p:cSld>
@@ -2686,7 +2635,8 @@
           <a:p>
             <a:fld id="{3FD404F6-98A9-4841-AF0D-F73C9FBD57AC}" type="datetimeFigureOut">
               <a:rPr lang="en-US" smtClean="0"/>
-              <a:t>15-04-15</a:t>
+              <a:pPr/>
+              <a:t>4/15/2015</a:t>
             </a:fld>
             <a:endParaRPr lang="en-US"/>
           </a:p>
@@ -2728,6 +2678,7 @@
           <a:p>
             <a:fld id="{C84A777E-EAC6-5749-A1F3-F9930C9B02BA}" type="slidenum">
               <a:rPr lang="en-US" smtClean="0"/>
+              <a:pPr/>
               <a:t>‹#›</a:t>
             </a:fld>
             <a:endParaRPr lang="en-US"/>
@@ -2737,7 +2688,7 @@
     </p:spTree>
     <p:extLst>
       <p:ext uri="{BB962C8B-B14F-4D97-AF65-F5344CB8AC3E}">
-        <p14:creationId xmlns:p14="http://schemas.microsoft.com/office/powerpoint/2010/main" val="2126164962"/>
+        <p14:creationId xmlns:p14="http://schemas.microsoft.com/office/powerpoint/2010/main" xmlns="" val="2126164962"/>
       </p:ext>
     </p:extLst>
   </p:cSld>
@@ -2856,7 +2807,8 @@
           <a:p>
             <a:fld id="{3FD404F6-98A9-4841-AF0D-F73C9FBD57AC}" type="datetimeFigureOut">
               <a:rPr lang="en-US" smtClean="0"/>
-              <a:t>15-04-15</a:t>
+              <a:pPr/>
+              <a:t>4/15/2015</a:t>
             </a:fld>
             <a:endParaRPr lang="en-US"/>
           </a:p>
@@ -2898,6 +2850,7 @@
           <a:p>
             <a:fld id="{C84A777E-EAC6-5749-A1F3-F9930C9B02BA}" type="slidenum">
               <a:rPr lang="en-US" smtClean="0"/>
+              <a:pPr/>
               <a:t>‹#›</a:t>
             </a:fld>
             <a:endParaRPr lang="en-US"/>
@@ -2907,7 +2860,7 @@
     </p:spTree>
     <p:extLst>
       <p:ext uri="{BB962C8B-B14F-4D97-AF65-F5344CB8AC3E}">
-        <p14:creationId xmlns:p14="http://schemas.microsoft.com/office/powerpoint/2010/main" val="485704573"/>
+        <p14:creationId xmlns:p14="http://schemas.microsoft.com/office/powerpoint/2010/main" xmlns="" val="485704573"/>
       </p:ext>
     </p:extLst>
   </p:cSld>
@@ -3102,7 +3055,8 @@
           <a:p>
             <a:fld id="{3FD404F6-98A9-4841-AF0D-F73C9FBD57AC}" type="datetimeFigureOut">
               <a:rPr lang="en-US" smtClean="0"/>
-              <a:t>15-04-15</a:t>
+              <a:pPr/>
+              <a:t>4/15/2015</a:t>
             </a:fld>
             <a:endParaRPr lang="en-US"/>
           </a:p>
@@ -3144,6 +3098,7 @@
           <a:p>
             <a:fld id="{C84A777E-EAC6-5749-A1F3-F9930C9B02BA}" type="slidenum">
               <a:rPr lang="en-US" smtClean="0"/>
+              <a:pPr/>
               <a:t>‹#›</a:t>
             </a:fld>
             <a:endParaRPr lang="en-US"/>
@@ -3153,7 +3108,7 @@
     </p:spTree>
     <p:extLst>
       <p:ext uri="{BB962C8B-B14F-4D97-AF65-F5344CB8AC3E}">
-        <p14:creationId xmlns:p14="http://schemas.microsoft.com/office/powerpoint/2010/main" val="1532627052"/>
+        <p14:creationId xmlns:p14="http://schemas.microsoft.com/office/powerpoint/2010/main" xmlns="" val="1532627052"/>
       </p:ext>
     </p:extLst>
   </p:cSld>
@@ -3390,7 +3345,8 @@
           <a:p>
             <a:fld id="{3FD404F6-98A9-4841-AF0D-F73C9FBD57AC}" type="datetimeFigureOut">
               <a:rPr lang="en-US" smtClean="0"/>
-              <a:t>15-04-15</a:t>
+              <a:pPr/>
+              <a:t>4/15/2015</a:t>
             </a:fld>
             <a:endParaRPr lang="en-US"/>
           </a:p>
@@ -3432,6 +3388,7 @@
           <a:p>
             <a:fld id="{C84A777E-EAC6-5749-A1F3-F9930C9B02BA}" type="slidenum">
               <a:rPr lang="en-US" smtClean="0"/>
+              <a:pPr/>
               <a:t>‹#›</a:t>
             </a:fld>
             <a:endParaRPr lang="en-US"/>
@@ -3441,7 +3398,7 @@
     </p:spTree>
     <p:extLst>
       <p:ext uri="{BB962C8B-B14F-4D97-AF65-F5344CB8AC3E}">
-        <p14:creationId xmlns:p14="http://schemas.microsoft.com/office/powerpoint/2010/main" val="3455188784"/>
+        <p14:creationId xmlns:p14="http://schemas.microsoft.com/office/powerpoint/2010/main" xmlns="" val="3455188784"/>
       </p:ext>
     </p:extLst>
   </p:cSld>
@@ -3812,7 +3769,8 @@
           <a:p>
             <a:fld id="{3FD404F6-98A9-4841-AF0D-F73C9FBD57AC}" type="datetimeFigureOut">
               <a:rPr lang="en-US" smtClean="0"/>
-              <a:t>15-04-15</a:t>
+              <a:pPr/>
+              <a:t>4/15/2015</a:t>
             </a:fld>
             <a:endParaRPr lang="en-US"/>
           </a:p>
@@ -3854,6 +3812,7 @@
           <a:p>
             <a:fld id="{C84A777E-EAC6-5749-A1F3-F9930C9B02BA}" type="slidenum">
               <a:rPr lang="en-US" smtClean="0"/>
+              <a:pPr/>
               <a:t>‹#›</a:t>
             </a:fld>
             <a:endParaRPr lang="en-US"/>
@@ -3863,7 +3822,7 @@
     </p:spTree>
     <p:extLst>
       <p:ext uri="{BB962C8B-B14F-4D97-AF65-F5344CB8AC3E}">
-        <p14:creationId xmlns:p14="http://schemas.microsoft.com/office/powerpoint/2010/main" val="97865418"/>
+        <p14:creationId xmlns:p14="http://schemas.microsoft.com/office/powerpoint/2010/main" xmlns="" val="97865418"/>
       </p:ext>
     </p:extLst>
   </p:cSld>
@@ -3930,7 +3889,8 @@
           <a:p>
             <a:fld id="{3FD404F6-98A9-4841-AF0D-F73C9FBD57AC}" type="datetimeFigureOut">
               <a:rPr lang="en-US" smtClean="0"/>
-              <a:t>15-04-15</a:t>
+              <a:pPr/>
+              <a:t>4/15/2015</a:t>
             </a:fld>
             <a:endParaRPr lang="en-US"/>
           </a:p>
@@ -3972,6 +3932,7 @@
           <a:p>
             <a:fld id="{C84A777E-EAC6-5749-A1F3-F9930C9B02BA}" type="slidenum">
               <a:rPr lang="en-US" smtClean="0"/>
+              <a:pPr/>
               <a:t>‹#›</a:t>
             </a:fld>
             <a:endParaRPr lang="en-US"/>
@@ -3981,7 +3942,7 @@
     </p:spTree>
     <p:extLst>
       <p:ext uri="{BB962C8B-B14F-4D97-AF65-F5344CB8AC3E}">
-        <p14:creationId xmlns:p14="http://schemas.microsoft.com/office/powerpoint/2010/main" val="3580434156"/>
+        <p14:creationId xmlns:p14="http://schemas.microsoft.com/office/powerpoint/2010/main" xmlns="" val="3580434156"/>
       </p:ext>
     </p:extLst>
   </p:cSld>
@@ -4025,7 +3986,8 @@
           <a:p>
             <a:fld id="{3FD404F6-98A9-4841-AF0D-F73C9FBD57AC}" type="datetimeFigureOut">
               <a:rPr lang="en-US" smtClean="0"/>
-              <a:t>15-04-15</a:t>
+              <a:pPr/>
+              <a:t>4/15/2015</a:t>
             </a:fld>
             <a:endParaRPr lang="en-US"/>
           </a:p>
@@ -4067,6 +4029,7 @@
           <a:p>
             <a:fld id="{C84A777E-EAC6-5749-A1F3-F9930C9B02BA}" type="slidenum">
               <a:rPr lang="en-US" smtClean="0"/>
+              <a:pPr/>
               <a:t>‹#›</a:t>
             </a:fld>
             <a:endParaRPr lang="en-US"/>
@@ -4076,7 +4039,7 @@
     </p:spTree>
     <p:extLst>
       <p:ext uri="{BB962C8B-B14F-4D97-AF65-F5344CB8AC3E}">
-        <p14:creationId xmlns:p14="http://schemas.microsoft.com/office/powerpoint/2010/main" val="3583125735"/>
+        <p14:creationId xmlns:p14="http://schemas.microsoft.com/office/powerpoint/2010/main" xmlns="" val="3583125735"/>
       </p:ext>
     </p:extLst>
   </p:cSld>
@@ -4302,7 +4265,8 @@
           <a:p>
             <a:fld id="{3FD404F6-98A9-4841-AF0D-F73C9FBD57AC}" type="datetimeFigureOut">
               <a:rPr lang="en-US" smtClean="0"/>
-              <a:t>15-04-15</a:t>
+              <a:pPr/>
+              <a:t>4/15/2015</a:t>
             </a:fld>
             <a:endParaRPr lang="en-US"/>
           </a:p>
@@ -4344,6 +4308,7 @@
           <a:p>
             <a:fld id="{C84A777E-EAC6-5749-A1F3-F9930C9B02BA}" type="slidenum">
               <a:rPr lang="en-US" smtClean="0"/>
+              <a:pPr/>
               <a:t>‹#›</a:t>
             </a:fld>
             <a:endParaRPr lang="en-US"/>
@@ -4353,7 +4318,7 @@
     </p:spTree>
     <p:extLst>
       <p:ext uri="{BB962C8B-B14F-4D97-AF65-F5344CB8AC3E}">
-        <p14:creationId xmlns:p14="http://schemas.microsoft.com/office/powerpoint/2010/main" val="703451573"/>
+        <p14:creationId xmlns:p14="http://schemas.microsoft.com/office/powerpoint/2010/main" xmlns="" val="703451573"/>
       </p:ext>
     </p:extLst>
   </p:cSld>
@@ -4555,7 +4520,8 @@
           <a:p>
             <a:fld id="{3FD404F6-98A9-4841-AF0D-F73C9FBD57AC}" type="datetimeFigureOut">
               <a:rPr lang="en-US" smtClean="0"/>
-              <a:t>15-04-15</a:t>
+              <a:pPr/>
+              <a:t>4/15/2015</a:t>
             </a:fld>
             <a:endParaRPr lang="en-US"/>
           </a:p>
@@ -4597,6 +4563,7 @@
           <a:p>
             <a:fld id="{C84A777E-EAC6-5749-A1F3-F9930C9B02BA}" type="slidenum">
               <a:rPr lang="en-US" smtClean="0"/>
+              <a:pPr/>
               <a:t>‹#›</a:t>
             </a:fld>
             <a:endParaRPr lang="en-US"/>
@@ -4606,7 +4573,7 @@
     </p:spTree>
     <p:extLst>
       <p:ext uri="{BB962C8B-B14F-4D97-AF65-F5344CB8AC3E}">
-        <p14:creationId xmlns:p14="http://schemas.microsoft.com/office/powerpoint/2010/main" val="2848411384"/>
+        <p14:creationId xmlns:p14="http://schemas.microsoft.com/office/powerpoint/2010/main" xmlns="" val="2848411384"/>
       </p:ext>
     </p:extLst>
   </p:cSld>
@@ -4768,7 +4735,8 @@
           <a:p>
             <a:fld id="{3FD404F6-98A9-4841-AF0D-F73C9FBD57AC}" type="datetimeFigureOut">
               <a:rPr lang="en-US" smtClean="0"/>
-              <a:t>15-04-15</a:t>
+              <a:pPr/>
+              <a:t>4/15/2015</a:t>
             </a:fld>
             <a:endParaRPr lang="en-US"/>
           </a:p>
@@ -4846,6 +4814,7 @@
           <a:p>
             <a:fld id="{C84A777E-EAC6-5749-A1F3-F9930C9B02BA}" type="slidenum">
               <a:rPr lang="en-US" smtClean="0"/>
+              <a:pPr/>
               <a:t>‹#›</a:t>
             </a:fld>
             <a:endParaRPr lang="en-US"/>
@@ -4855,7 +4824,7 @@
     </p:spTree>
     <p:extLst>
       <p:ext uri="{BB962C8B-B14F-4D97-AF65-F5344CB8AC3E}">
-        <p14:creationId xmlns:p14="http://schemas.microsoft.com/office/powerpoint/2010/main" val="2697099118"/>
+        <p14:creationId xmlns:p14="http://schemas.microsoft.com/office/powerpoint/2010/main" xmlns="" val="2697099118"/>
       </p:ext>
     </p:extLst>
   </p:cSld>
@@ -5169,11 +5138,7 @@
             </a:br>
             <a:r>
               <a:rPr lang="en-US" dirty="0" smtClean="0"/>
-              <a:t>in </a:t>
-            </a:r>
-            <a:r>
-              <a:rPr lang="en-US" dirty="0" smtClean="0"/>
-              <a:t>Chromium</a:t>
+              <a:t>in Chromium</a:t>
             </a:r>
             <a:endParaRPr lang="en-US" dirty="0"/>
           </a:p>
@@ -5188,14 +5153,14 @@
           <p:nvPr>
             <p:extLst>
               <p:ext uri="{D42A27DB-BD31-4B8C-83A1-F6EECF244321}">
-                <p14:modId xmlns:p14="http://schemas.microsoft.com/office/powerpoint/2010/main" val="3736164665"/>
+                <p14:modId xmlns:p14="http://schemas.microsoft.com/office/powerpoint/2010/main" xmlns="" val="3736164665"/>
               </p:ext>
             </p:extLst>
           </p:nvPr>
         </p:nvGraphicFramePr>
         <p:xfrm>
           <a:off x="2251710" y="4171440"/>
-          <a:ext cx="4640580" cy="1371600"/>
+          <a:ext cx="4640580" cy="1229868"/>
         </p:xfrm>
         <a:graphic>
           <a:graphicData uri="http://schemas.openxmlformats.org/drawingml/2006/table">
@@ -5430,7 +5395,7 @@
     </p:spTree>
     <p:extLst>
       <p:ext uri="{BB962C8B-B14F-4D97-AF65-F5344CB8AC3E}">
-        <p14:creationId xmlns:p14="http://schemas.microsoft.com/office/powerpoint/2010/main" val="1152521954"/>
+        <p14:creationId xmlns:p14="http://schemas.microsoft.com/office/powerpoint/2010/main" xmlns="" val="1152521954"/>
       </p:ext>
     </p:extLst>
   </p:cSld>
@@ -5440,7 +5405,7 @@
   <p:timing>
     <p:tnLst>
       <p:par>
-        <p:cTn xmlns:p14="http://schemas.microsoft.com/office/powerpoint/2010/main" id="1" dur="indefinite" restart="never" nodeType="tmRoot"/>
+        <p:cTn id="1" dur="indefinite" restart="never" nodeType="tmRoot"/>
       </p:par>
     </p:tnLst>
   </p:timing>
@@ -5559,7 +5524,7 @@
     </p:spTree>
     <p:extLst>
       <p:ext uri="{BB962C8B-B14F-4D97-AF65-F5344CB8AC3E}">
-        <p14:creationId xmlns:p14="http://schemas.microsoft.com/office/powerpoint/2010/main" val="1643893160"/>
+        <p14:creationId xmlns:p14="http://schemas.microsoft.com/office/powerpoint/2010/main" xmlns="" val="1643893160"/>
       </p:ext>
     </p:extLst>
   </p:cSld>
@@ -5569,7 +5534,7 @@
   <p:timing>
     <p:tnLst>
       <p:par>
-        <p:cTn xmlns:p14="http://schemas.microsoft.com/office/powerpoint/2010/main" id="1" dur="indefinite" restart="never" nodeType="tmRoot"/>
+        <p:cTn id="1" dur="indefinite" restart="never" nodeType="tmRoot"/>
       </p:par>
     </p:tnLst>
   </p:timing>
@@ -5654,13 +5619,8 @@
             </a:r>
             <a:r>
               <a:rPr lang="en-US" dirty="0" smtClean="0"/>
-              <a:t>. Each of our measures is in the summary </a:t>
-            </a:r>
-            <a:r>
-              <a:rPr lang="en-US" dirty="0" smtClean="0"/>
-              <a:t>table.</a:t>
-            </a:r>
-            <a:endParaRPr lang="en-US" dirty="0" smtClean="0"/>
+              <a:t>. Each of our measures is in the summary table.</a:t>
+            </a:r>
           </a:p>
           <a:p>
             <a:pPr algn="just"/>
@@ -5695,7 +5655,7 @@
     </p:spTree>
     <p:extLst>
       <p:ext uri="{BB962C8B-B14F-4D97-AF65-F5344CB8AC3E}">
-        <p14:creationId xmlns:p14="http://schemas.microsoft.com/office/powerpoint/2010/main" val="3283528366"/>
+        <p14:creationId xmlns:p14="http://schemas.microsoft.com/office/powerpoint/2010/main" xmlns="" val="3283528366"/>
       </p:ext>
     </p:extLst>
   </p:cSld>
@@ -5705,7 +5665,7 @@
   <p:timing>
     <p:tnLst>
       <p:par>
-        <p:cTn xmlns:p14="http://schemas.microsoft.com/office/powerpoint/2010/main" id="1" dur="indefinite" restart="never" nodeType="tmRoot"/>
+        <p:cTn id="1" dur="indefinite" restart="never" nodeType="tmRoot"/>
       </p:par>
     </p:tnLst>
   </p:timing>
@@ -5798,7 +5758,7 @@
           <p:nvPr>
             <p:extLst>
               <p:ext uri="{D42A27DB-BD31-4B8C-83A1-F6EECF244321}">
-                <p14:modId xmlns:p14="http://schemas.microsoft.com/office/powerpoint/2010/main" val="134414175"/>
+                <p14:modId xmlns:p14="http://schemas.microsoft.com/office/powerpoint/2010/main" xmlns="" val="134414175"/>
               </p:ext>
             </p:extLst>
           </p:nvPr>
@@ -6224,7 +6184,7 @@
     </p:spTree>
     <p:extLst>
       <p:ext uri="{BB962C8B-B14F-4D97-AF65-F5344CB8AC3E}">
-        <p14:creationId xmlns:p14="http://schemas.microsoft.com/office/powerpoint/2010/main" val="2960682707"/>
+        <p14:creationId xmlns:p14="http://schemas.microsoft.com/office/powerpoint/2010/main" xmlns="" val="2960682707"/>
       </p:ext>
     </p:extLst>
   </p:cSld>
@@ -6234,7 +6194,7 @@
   <p:timing>
     <p:tnLst>
       <p:par>
-        <p:cTn xmlns:p14="http://schemas.microsoft.com/office/powerpoint/2010/main" id="1" dur="indefinite" restart="never" nodeType="tmRoot"/>
+        <p:cTn id="1" dur="indefinite" restart="never" nodeType="tmRoot"/>
       </p:par>
     </p:tnLst>
   </p:timing>
@@ -6701,7 +6661,7 @@
     </p:spTree>
     <p:extLst>
       <p:ext uri="{BB962C8B-B14F-4D97-AF65-F5344CB8AC3E}">
-        <p14:creationId xmlns:p14="http://schemas.microsoft.com/office/powerpoint/2010/main" val="1110133274"/>
+        <p14:creationId xmlns:p14="http://schemas.microsoft.com/office/powerpoint/2010/main" xmlns="" val="1110133274"/>
       </p:ext>
     </p:extLst>
   </p:cSld>
@@ -6711,7 +6671,7 @@
   <p:timing>
     <p:tnLst>
       <p:par>
-        <p:cTn xmlns:p14="http://schemas.microsoft.com/office/powerpoint/2010/main" id="1" dur="indefinite" restart="never" nodeType="tmRoot"/>
+        <p:cTn id="1" dur="indefinite" restart="never" nodeType="tmRoot"/>
       </p:par>
     </p:tnLst>
   </p:timing>
@@ -6719,7 +6679,7 @@
 </file>
 
 <file path=ppt/slides/slide14.xml><?xml version="1.0" encoding="utf-8"?>
-<p:sld xmlns:a="http://schemas.openxmlformats.org/drawingml/2006/main" xmlns:r="http://schemas.openxmlformats.org/officeDocument/2006/relationships" xmlns:p="http://schemas.openxmlformats.org/presentationml/2006/main">
+<p:sld xmlns:a="http://schemas.openxmlformats.org/drawingml/2006/main" xmlns:r="http://schemas.openxmlformats.org/officeDocument/2006/relationships" xmlns:p="http://schemas.openxmlformats.org/presentationml/2006/main" show="0">
   <p:cSld>
     <p:spTree>
       <p:nvGrpSpPr>
@@ -6772,7 +6732,7 @@
           <a:blip r:embed="rId2">
             <a:extLst>
               <a:ext uri="{28A0092B-C50C-407E-A947-70E740481C1C}">
-                <a14:useLocalDpi xmlns:a14="http://schemas.microsoft.com/office/drawing/2010/main" val="0"/>
+                <a14:useLocalDpi xmlns:a14="http://schemas.microsoft.com/office/drawing/2010/main" xmlns="" val="0"/>
               </a:ext>
             </a:extLst>
           </a:blip>
@@ -6791,17 +6751,18 @@
     </p:spTree>
     <p:extLst>
       <p:ext uri="{BB962C8B-B14F-4D97-AF65-F5344CB8AC3E}">
-        <p14:creationId xmlns:p14="http://schemas.microsoft.com/office/powerpoint/2010/main" val="2218691752"/>
+        <p14:creationId xmlns:p14="http://schemas.microsoft.com/office/powerpoint/2010/main" xmlns="" val="2218691752"/>
       </p:ext>
     </p:extLst>
   </p:cSld>
   <p:clrMapOvr>
     <a:masterClrMapping/>
   </p:clrMapOvr>
+  <p:transition/>
   <p:timing>
     <p:tnLst>
       <p:par>
-        <p:cTn xmlns:p14="http://schemas.microsoft.com/office/powerpoint/2010/main" id="1" dur="indefinite" restart="never" nodeType="tmRoot"/>
+        <p:cTn id="1" dur="indefinite" restart="never" nodeType="tmRoot"/>
       </p:par>
     </p:tnLst>
   </p:timing>
@@ -6899,7 +6860,7 @@
     </p:spTree>
     <p:extLst>
       <p:ext uri="{BB962C8B-B14F-4D97-AF65-F5344CB8AC3E}">
-        <p14:creationId xmlns:p14="http://schemas.microsoft.com/office/powerpoint/2010/main" val="1769539540"/>
+        <p14:creationId xmlns:p14="http://schemas.microsoft.com/office/powerpoint/2010/main" xmlns="" val="1769539540"/>
       </p:ext>
     </p:extLst>
   </p:cSld>
@@ -6909,7 +6870,7 @@
   <p:timing>
     <p:tnLst>
       <p:par>
-        <p:cTn xmlns:p14="http://schemas.microsoft.com/office/powerpoint/2010/main" id="1" dur="indefinite" restart="never" nodeType="tmRoot"/>
+        <p:cTn id="1" dur="indefinite" restart="never" nodeType="tmRoot"/>
       </p:par>
     </p:tnLst>
   </p:timing>
@@ -6950,7 +6911,7 @@
           <a:p>
             <a:r>
               <a:rPr lang="en-US" dirty="0" smtClean="0"/>
-              <a:t>Thank you</a:t>
+              <a:t>Actions</a:t>
             </a:r>
             <a:endParaRPr lang="en-US" dirty="0"/>
           </a:p>
@@ -6968,9 +6929,43 @@
         </p:nvSpPr>
         <p:spPr/>
         <p:txBody>
-          <a:bodyPr/>
-          <a:lstStyle/>
-          <a:p>
+          <a:bodyPr>
+            <a:normAutofit fontScale="92500" lnSpcReduction="10000"/>
+          </a:bodyPr>
+          <a:lstStyle/>
+          <a:p>
+            <a:pPr algn="just"/>
+            <a:r>
+              <a:rPr lang="en-US" dirty="0" smtClean="0"/>
+              <a:t>Number of people collaborating on an issue resolution costs more without producing higher productivity. Keep the number people collaborating on issue resolution at a minimal level.</a:t>
+            </a:r>
+          </a:p>
+          <a:p>
+            <a:pPr algn="just"/>
+            <a:endParaRPr lang="en-US" dirty="0" smtClean="0"/>
+          </a:p>
+          <a:p>
+            <a:pPr algn="just"/>
+            <a:endParaRPr lang="en-US" dirty="0" smtClean="0"/>
+          </a:p>
+          <a:p>
+            <a:pPr algn="just"/>
+            <a:r>
+              <a:rPr lang="en-US" dirty="0" smtClean="0"/>
+              <a:t>Frequently </a:t>
+            </a:r>
+            <a:r>
+              <a:rPr lang="en-US" dirty="0" err="1" smtClean="0"/>
+              <a:t>refactor</a:t>
+            </a:r>
+            <a:r>
+              <a:rPr lang="en-US" dirty="0" smtClean="0"/>
+              <a:t> your code to make sure cohesiveness and coupling of your code remains at a good level.</a:t>
+            </a:r>
+            <a:endParaRPr lang="en-US" dirty="0" smtClean="0"/>
+          </a:p>
+          <a:p>
+            <a:pPr lvl="1" algn="just"/>
             <a:endParaRPr lang="en-US" dirty="0"/>
           </a:p>
         </p:txBody>
@@ -6978,7 +6973,7 @@
     </p:spTree>
     <p:extLst>
       <p:ext uri="{BB962C8B-B14F-4D97-AF65-F5344CB8AC3E}">
-        <p14:creationId xmlns:p14="http://schemas.microsoft.com/office/powerpoint/2010/main" val="860495311"/>
+        <p14:creationId xmlns:p14="http://schemas.microsoft.com/office/powerpoint/2010/main" xmlns="" val="1769539540"/>
       </p:ext>
     </p:extLst>
   </p:cSld>
@@ -6988,7 +6983,86 @@
   <p:timing>
     <p:tnLst>
       <p:par>
-        <p:cTn xmlns:p14="http://schemas.microsoft.com/office/powerpoint/2010/main" id="1" dur="indefinite" restart="never" nodeType="tmRoot"/>
+        <p:cTn id="1" dur="indefinite" restart="never" nodeType="tmRoot"/>
+      </p:par>
+    </p:tnLst>
+  </p:timing>
+</p:sld>
+</file>
+
+<file path=ppt/slides/slide17.xml><?xml version="1.0" encoding="utf-8"?>
+<p:sld xmlns:a="http://schemas.openxmlformats.org/drawingml/2006/main" xmlns:r="http://schemas.openxmlformats.org/officeDocument/2006/relationships" xmlns:p="http://schemas.openxmlformats.org/presentationml/2006/main">
+  <p:cSld>
+    <p:spTree>
+      <p:nvGrpSpPr>
+        <p:cNvPr id="1" name=""/>
+        <p:cNvGrpSpPr/>
+        <p:nvPr/>
+      </p:nvGrpSpPr>
+      <p:grpSpPr>
+        <a:xfrm>
+          <a:off x="0" y="0"/>
+          <a:ext cx="0" cy="0"/>
+          <a:chOff x="0" y="0"/>
+          <a:chExt cx="0" cy="0"/>
+        </a:xfrm>
+      </p:grpSpPr>
+      <p:sp>
+        <p:nvSpPr>
+          <p:cNvPr id="2" name="Title 1"/>
+          <p:cNvSpPr>
+            <a:spLocks noGrp="1"/>
+          </p:cNvSpPr>
+          <p:nvPr>
+            <p:ph type="title"/>
+          </p:nvPr>
+        </p:nvSpPr>
+        <p:spPr/>
+        <p:txBody>
+          <a:bodyPr/>
+          <a:lstStyle/>
+          <a:p>
+            <a:r>
+              <a:rPr lang="en-US" dirty="0" smtClean="0"/>
+              <a:t>Thank you</a:t>
+            </a:r>
+            <a:endParaRPr lang="en-US" dirty="0"/>
+          </a:p>
+        </p:txBody>
+      </p:sp>
+      <p:sp>
+        <p:nvSpPr>
+          <p:cNvPr id="3" name="Content Placeholder 2"/>
+          <p:cNvSpPr>
+            <a:spLocks noGrp="1"/>
+          </p:cNvSpPr>
+          <p:nvPr>
+            <p:ph idx="1"/>
+          </p:nvPr>
+        </p:nvSpPr>
+        <p:spPr/>
+        <p:txBody>
+          <a:bodyPr/>
+          <a:lstStyle/>
+          <a:p>
+            <a:endParaRPr lang="en-US" dirty="0"/>
+          </a:p>
+        </p:txBody>
+      </p:sp>
+    </p:spTree>
+    <p:extLst>
+      <p:ext uri="{BB962C8B-B14F-4D97-AF65-F5344CB8AC3E}">
+        <p14:creationId xmlns:p14="http://schemas.microsoft.com/office/powerpoint/2010/main" xmlns="" val="860495311"/>
+      </p:ext>
+    </p:extLst>
+  </p:cSld>
+  <p:clrMapOvr>
+    <a:masterClrMapping/>
+  </p:clrMapOvr>
+  <p:timing>
+    <p:tnLst>
+      <p:par>
+        <p:cTn id="1" dur="indefinite" restart="never" nodeType="tmRoot"/>
       </p:par>
     </p:tnLst>
   </p:timing>
@@ -7055,11 +7129,7 @@
             </a:pPr>
             <a:r>
               <a:rPr lang="en-US" dirty="0" smtClean="0"/>
-              <a:t>We </a:t>
-            </a:r>
-            <a:r>
-              <a:rPr lang="en-US" dirty="0" smtClean="0"/>
-              <a:t>would like to ensure </a:t>
+              <a:t>We would like to ensure </a:t>
             </a:r>
             <a:r>
               <a:rPr lang="en-US" dirty="0"/>
@@ -7093,7 +7163,7 @@
     </p:spTree>
     <p:extLst>
       <p:ext uri="{BB962C8B-B14F-4D97-AF65-F5344CB8AC3E}">
-        <p14:creationId xmlns:p14="http://schemas.microsoft.com/office/powerpoint/2010/main" val="1933793400"/>
+        <p14:creationId xmlns:p14="http://schemas.microsoft.com/office/powerpoint/2010/main" xmlns="" val="1933793400"/>
       </p:ext>
     </p:extLst>
   </p:cSld>
@@ -7103,7 +7173,7 @@
   <p:timing>
     <p:tnLst>
       <p:par>
-        <p:cTn xmlns:p14="http://schemas.microsoft.com/office/powerpoint/2010/main" id="1" dur="indefinite" restart="never" nodeType="tmRoot"/>
+        <p:cTn id="1" dur="indefinite" restart="never" nodeType="tmRoot"/>
       </p:par>
     </p:tnLst>
   </p:timing>
@@ -7198,7 +7268,7 @@
     </p:spTree>
     <p:extLst>
       <p:ext uri="{BB962C8B-B14F-4D97-AF65-F5344CB8AC3E}">
-        <p14:creationId xmlns:p14="http://schemas.microsoft.com/office/powerpoint/2010/main" val="83537848"/>
+        <p14:creationId xmlns:p14="http://schemas.microsoft.com/office/powerpoint/2010/main" xmlns="" val="83537848"/>
       </p:ext>
     </p:extLst>
   </p:cSld>
@@ -7208,7 +7278,7 @@
   <p:timing>
     <p:tnLst>
       <p:par>
-        <p:cTn xmlns:p14="http://schemas.microsoft.com/office/powerpoint/2010/main" id="1" dur="indefinite" restart="never" nodeType="tmRoot"/>
+        <p:cTn id="1" dur="indefinite" restart="never" nodeType="tmRoot"/>
       </p:par>
     </p:tnLst>
   </p:timing>
@@ -7324,11 +7394,7 @@
             </a:r>
             <a:r>
               <a:rPr lang="en-US" dirty="0" smtClean="0"/>
-              <a:t> </a:t>
-            </a:r>
-            <a:r>
-              <a:rPr lang="en-US" dirty="0" smtClean="0"/>
-              <a:t>developers on issues and delta between report date and close date.</a:t>
+              <a:t> developers on issues and delta between report date and close date.</a:t>
             </a:r>
           </a:p>
           <a:p>
@@ -7339,11 +7405,7 @@
             </a:r>
             <a:r>
               <a:rPr lang="en-US" dirty="0" smtClean="0"/>
-              <a:t>LCOM </a:t>
-            </a:r>
-            <a:r>
-              <a:rPr lang="en-US" dirty="0" smtClean="0"/>
-              <a:t>metrics.</a:t>
+              <a:t>LCOM metrics.</a:t>
             </a:r>
             <a:endParaRPr lang="en-US" dirty="0"/>
           </a:p>
@@ -7362,23 +7424,14 @@
             <a:pPr lvl="1" algn="just"/>
             <a:r>
               <a:rPr lang="en-US" dirty="0" smtClean="0"/>
-              <a:t>Expertise of the </a:t>
-            </a:r>
+              <a:t>Expertise of the developer.</a:t>
+            </a:r>
+          </a:p>
+          <a:p>
+            <a:pPr lvl="1" algn="just"/>
             <a:r>
               <a:rPr lang="en-US" dirty="0" smtClean="0"/>
-              <a:t>developer.</a:t>
-            </a:r>
-            <a:endParaRPr lang="en-US" dirty="0" smtClean="0"/>
-          </a:p>
-          <a:p>
-            <a:pPr lvl="1" algn="just"/>
-            <a:r>
-              <a:rPr lang="en-US" dirty="0" smtClean="0"/>
-              <a:t>Size and complexity of the </a:t>
-            </a:r>
-            <a:r>
-              <a:rPr lang="en-US" dirty="0" smtClean="0"/>
-              <a:t>class.</a:t>
+              <a:t>Size and complexity of the class.</a:t>
             </a:r>
             <a:endParaRPr lang="en-US" strike="sngStrike" dirty="0" smtClean="0"/>
           </a:p>
@@ -7391,7 +7444,7 @@
     </p:spTree>
     <p:extLst>
       <p:ext uri="{BB962C8B-B14F-4D97-AF65-F5344CB8AC3E}">
-        <p14:creationId xmlns:p14="http://schemas.microsoft.com/office/powerpoint/2010/main" val="2522680308"/>
+        <p14:creationId xmlns:p14="http://schemas.microsoft.com/office/powerpoint/2010/main" xmlns="" val="2522680308"/>
       </p:ext>
     </p:extLst>
   </p:cSld>
@@ -7401,7 +7454,7 @@
   <p:timing>
     <p:tnLst>
       <p:par>
-        <p:cTn xmlns:p14="http://schemas.microsoft.com/office/powerpoint/2010/main" id="1" dur="indefinite" restart="never" nodeType="tmRoot"/>
+        <p:cTn id="1" dur="indefinite" restart="never" nodeType="tmRoot"/>
       </p:par>
     </p:tnLst>
   </p:timing>
@@ -7473,32 +7526,22 @@
             <a:pPr lvl="1" algn="just"/>
             <a:r>
               <a:rPr lang="en-US" dirty="0" smtClean="0"/>
-              <a:t>Bug reports (including discussion threads</a:t>
-            </a:r>
+              <a:t>Bug reports (including discussion threads).</a:t>
+            </a:r>
+          </a:p>
+          <a:p>
+            <a:pPr lvl="1" algn="just"/>
             <a:r>
               <a:rPr lang="en-US" dirty="0" smtClean="0"/>
-              <a:t>).</a:t>
-            </a:r>
-            <a:endParaRPr lang="en-US" dirty="0" smtClean="0"/>
-          </a:p>
-          <a:p>
-            <a:pPr lvl="1" algn="just"/>
-            <a:r>
-              <a:rPr lang="en-US" dirty="0" smtClean="0"/>
-              <a:t>Source code versioning </a:t>
-            </a:r>
-            <a:r>
-              <a:rPr lang="en-US" dirty="0" smtClean="0"/>
-              <a:t>control.</a:t>
-            </a:r>
-            <a:endParaRPr lang="en-US" dirty="0" smtClean="0"/>
+              <a:t>Source code versioning control.</a:t>
+            </a:r>
           </a:p>
         </p:txBody>
       </p:sp>
     </p:spTree>
     <p:extLst>
       <p:ext uri="{BB962C8B-B14F-4D97-AF65-F5344CB8AC3E}">
-        <p14:creationId xmlns:p14="http://schemas.microsoft.com/office/powerpoint/2010/main" val="3794779745"/>
+        <p14:creationId xmlns:p14="http://schemas.microsoft.com/office/powerpoint/2010/main" xmlns="" val="3794779745"/>
       </p:ext>
     </p:extLst>
   </p:cSld>
@@ -7508,7 +7551,7 @@
   <p:timing>
     <p:tnLst>
       <p:par>
-        <p:cTn xmlns:p14="http://schemas.microsoft.com/office/powerpoint/2010/main" id="1" dur="indefinite" restart="never" nodeType="tmRoot"/>
+        <p:cTn id="1" dur="indefinite" restart="never" nodeType="tmRoot"/>
       </p:par>
     </p:tnLst>
   </p:timing>
@@ -7582,11 +7625,7 @@
             </a:r>
             <a:r>
               <a:rPr lang="en-US" sz="2800" dirty="0" smtClean="0"/>
-              <a:t> developers we extracted all unique username/email accounts from each bug report using webpage source </a:t>
-            </a:r>
-            <a:r>
-              <a:rPr lang="en-US" sz="2800" dirty="0" smtClean="0"/>
-              <a:t>analysis.</a:t>
+              <a:t> developers we extracted all unique username/email accounts from each bug report using webpage source analysis.</a:t>
             </a:r>
           </a:p>
           <a:p>
@@ -7621,7 +7660,7 @@
     </p:spTree>
     <p:extLst>
       <p:ext uri="{BB962C8B-B14F-4D97-AF65-F5344CB8AC3E}">
-        <p14:creationId xmlns:p14="http://schemas.microsoft.com/office/powerpoint/2010/main" val="1156317709"/>
+        <p14:creationId xmlns:p14="http://schemas.microsoft.com/office/powerpoint/2010/main" xmlns="" val="1156317709"/>
       </p:ext>
     </p:extLst>
   </p:cSld>
@@ -7631,7 +7670,7 @@
   <p:timing>
     <p:tnLst>
       <p:par>
-        <p:cTn xmlns:p14="http://schemas.microsoft.com/office/powerpoint/2010/main" id="1" dur="indefinite" restart="never" nodeType="tmRoot"/>
+        <p:cTn id="1" dur="indefinite" restart="never" nodeType="tmRoot"/>
       </p:par>
     </p:tnLst>
   </p:timing>
@@ -7728,7 +7767,7 @@
     </p:spTree>
     <p:extLst>
       <p:ext uri="{BB962C8B-B14F-4D97-AF65-F5344CB8AC3E}">
-        <p14:creationId xmlns:p14="http://schemas.microsoft.com/office/powerpoint/2010/main" val="188418357"/>
+        <p14:creationId xmlns:p14="http://schemas.microsoft.com/office/powerpoint/2010/main" xmlns="" val="188418357"/>
       </p:ext>
     </p:extLst>
   </p:cSld>
@@ -7738,7 +7777,7 @@
   <p:timing>
     <p:tnLst>
       <p:par>
-        <p:cTn xmlns:p14="http://schemas.microsoft.com/office/powerpoint/2010/main" id="1" dur="indefinite" restart="never" nodeType="tmRoot"/>
+        <p:cTn id="1" dur="indefinite" restart="never" nodeType="tmRoot"/>
       </p:par>
     </p:tnLst>
   </p:timing>
@@ -7841,11 +7880,7 @@
             <a:pPr algn="just"/>
             <a:r>
               <a:rPr lang="en-US" dirty="0" smtClean="0"/>
-              <a:t>In summary table the unit is number </a:t>
-            </a:r>
-            <a:r>
-              <a:rPr lang="en-US" dirty="0" smtClean="0"/>
-              <a:t>of </a:t>
+              <a:t>In summary table the unit is number of </a:t>
             </a:r>
             <a:r>
               <a:rPr lang="en-US" dirty="0" err="1" smtClean="0"/>
@@ -7893,7 +7928,7 @@
     </p:spTree>
     <p:extLst>
       <p:ext uri="{BB962C8B-B14F-4D97-AF65-F5344CB8AC3E}">
-        <p14:creationId xmlns:p14="http://schemas.microsoft.com/office/powerpoint/2010/main" val="538985280"/>
+        <p14:creationId xmlns:p14="http://schemas.microsoft.com/office/powerpoint/2010/main" xmlns="" val="538985280"/>
       </p:ext>
     </p:extLst>
   </p:cSld>
@@ -7903,7 +7938,7 @@
   <p:timing>
     <p:tnLst>
       <p:par>
-        <p:cTn xmlns:p14="http://schemas.microsoft.com/office/powerpoint/2010/main" id="1" dur="indefinite" restart="never" nodeType="tmRoot"/>
+        <p:cTn id="1" dur="indefinite" restart="never" nodeType="tmRoot"/>
       </p:par>
     </p:tnLst>
   </p:timing>
@@ -8011,7 +8046,7 @@
           <p:nvPr>
             <p:extLst>
               <p:ext uri="{D42A27DB-BD31-4B8C-83A1-F6EECF244321}">
-                <p14:modId xmlns:p14="http://schemas.microsoft.com/office/powerpoint/2010/main" val="543402465"/>
+                <p14:modId xmlns:p14="http://schemas.microsoft.com/office/powerpoint/2010/main" xmlns="" val="543402465"/>
               </p:ext>
             </p:extLst>
           </p:nvPr>
@@ -8029,7 +8064,7 @@
     </p:spTree>
     <p:extLst>
       <p:ext uri="{BB962C8B-B14F-4D97-AF65-F5344CB8AC3E}">
-        <p14:creationId xmlns:p14="http://schemas.microsoft.com/office/powerpoint/2010/main" val="2960654668"/>
+        <p14:creationId xmlns:p14="http://schemas.microsoft.com/office/powerpoint/2010/main" xmlns="" val="2960654668"/>
       </p:ext>
     </p:extLst>
   </p:cSld>
@@ -8039,7 +8074,7 @@
   <p:timing>
     <p:tnLst>
       <p:par>
-        <p:cTn xmlns:p14="http://schemas.microsoft.com/office/powerpoint/2010/main" id="1" dur="indefinite" restart="never" nodeType="tmRoot"/>
+        <p:cTn id="1" dur="indefinite" restart="never" nodeType="tmRoot"/>
       </p:par>
     </p:tnLst>
   </p:timing>
